--- a/TESTING/freeRTOS.pptx
+++ b/TESTING/freeRTOS.pptx
@@ -9,6 +9,8 @@
     <p:sldId id="258" r:id="rId3"/>
     <p:sldId id="257" r:id="rId4"/>
     <p:sldId id="259" r:id="rId5"/>
+    <p:sldId id="260" r:id="rId6"/>
+    <p:sldId id="261" r:id="rId7"/>
   </p:sldIdLst>
   <p:sldSz cx="12192000" cy="6858000"/>
   <p:notesSz cx="6858000" cy="9144000"/>
@@ -107,6 +109,11 @@
       </a:defRPr>
     </a:lvl9pPr>
   </p:defaultTextStyle>
+  <p:extLst>
+    <p:ext uri="{EFAFB233-063F-42B5-8137-9DF3F51BA10A}">
+      <p15:sldGuideLst xmlns:p15="http://schemas.microsoft.com/office/powerpoint/2012/main"/>
+    </p:ext>
+  </p:extLst>
 </p:presentation>
 </file>
 
@@ -257,7 +264,7 @@
           <a:p>
             <a:fld id="{2A810AF0-20C2-41DB-874E-86AA43072481}" type="datetimeFigureOut">
               <a:rPr lang="en-US" smtClean="0"/>
-              <a:t>2/26/2023</a:t>
+              <a:t>3/1/2023</a:t>
             </a:fld>
             <a:endParaRPr lang="en-US"/>
           </a:p>
@@ -455,7 +462,7 @@
           <a:p>
             <a:fld id="{2A810AF0-20C2-41DB-874E-86AA43072481}" type="datetimeFigureOut">
               <a:rPr lang="en-US" smtClean="0"/>
-              <a:t>2/26/2023</a:t>
+              <a:t>3/1/2023</a:t>
             </a:fld>
             <a:endParaRPr lang="en-US"/>
           </a:p>
@@ -663,7 +670,7 @@
           <a:p>
             <a:fld id="{2A810AF0-20C2-41DB-874E-86AA43072481}" type="datetimeFigureOut">
               <a:rPr lang="en-US" smtClean="0"/>
-              <a:t>2/26/2023</a:t>
+              <a:t>3/1/2023</a:t>
             </a:fld>
             <a:endParaRPr lang="en-US"/>
           </a:p>
@@ -861,7 +868,7 @@
           <a:p>
             <a:fld id="{2A810AF0-20C2-41DB-874E-86AA43072481}" type="datetimeFigureOut">
               <a:rPr lang="en-US" smtClean="0"/>
-              <a:t>2/26/2023</a:t>
+              <a:t>3/1/2023</a:t>
             </a:fld>
             <a:endParaRPr lang="en-US"/>
           </a:p>
@@ -1136,7 +1143,7 @@
           <a:p>
             <a:fld id="{2A810AF0-20C2-41DB-874E-86AA43072481}" type="datetimeFigureOut">
               <a:rPr lang="en-US" smtClean="0"/>
-              <a:t>2/26/2023</a:t>
+              <a:t>3/1/2023</a:t>
             </a:fld>
             <a:endParaRPr lang="en-US"/>
           </a:p>
@@ -1401,7 +1408,7 @@
           <a:p>
             <a:fld id="{2A810AF0-20C2-41DB-874E-86AA43072481}" type="datetimeFigureOut">
               <a:rPr lang="en-US" smtClean="0"/>
-              <a:t>2/26/2023</a:t>
+              <a:t>3/1/2023</a:t>
             </a:fld>
             <a:endParaRPr lang="en-US"/>
           </a:p>
@@ -1813,7 +1820,7 @@
           <a:p>
             <a:fld id="{2A810AF0-20C2-41DB-874E-86AA43072481}" type="datetimeFigureOut">
               <a:rPr lang="en-US" smtClean="0"/>
-              <a:t>2/26/2023</a:t>
+              <a:t>3/1/2023</a:t>
             </a:fld>
             <a:endParaRPr lang="en-US"/>
           </a:p>
@@ -1954,7 +1961,7 @@
           <a:p>
             <a:fld id="{2A810AF0-20C2-41DB-874E-86AA43072481}" type="datetimeFigureOut">
               <a:rPr lang="en-US" smtClean="0"/>
-              <a:t>2/26/2023</a:t>
+              <a:t>3/1/2023</a:t>
             </a:fld>
             <a:endParaRPr lang="en-US"/>
           </a:p>
@@ -2067,7 +2074,7 @@
           <a:p>
             <a:fld id="{2A810AF0-20C2-41DB-874E-86AA43072481}" type="datetimeFigureOut">
               <a:rPr lang="en-US" smtClean="0"/>
-              <a:t>2/26/2023</a:t>
+              <a:t>3/1/2023</a:t>
             </a:fld>
             <a:endParaRPr lang="en-US"/>
           </a:p>
@@ -2378,7 +2385,7 @@
           <a:p>
             <a:fld id="{2A810AF0-20C2-41DB-874E-86AA43072481}" type="datetimeFigureOut">
               <a:rPr lang="en-US" smtClean="0"/>
-              <a:t>2/26/2023</a:t>
+              <a:t>3/1/2023</a:t>
             </a:fld>
             <a:endParaRPr lang="en-US"/>
           </a:p>
@@ -2666,7 +2673,7 @@
           <a:p>
             <a:fld id="{2A810AF0-20C2-41DB-874E-86AA43072481}" type="datetimeFigureOut">
               <a:rPr lang="en-US" smtClean="0"/>
-              <a:t>2/26/2023</a:t>
+              <a:t>3/1/2023</a:t>
             </a:fld>
             <a:endParaRPr lang="en-US"/>
           </a:p>
@@ -2907,7 +2914,7 @@
           <a:p>
             <a:fld id="{2A810AF0-20C2-41DB-874E-86AA43072481}" type="datetimeFigureOut">
               <a:rPr lang="en-US" smtClean="0"/>
-              <a:t>2/26/2023</a:t>
+              <a:t>3/1/2023</a:t>
             </a:fld>
             <a:endParaRPr lang="en-US"/>
           </a:p>
@@ -4743,6 +4750,176 @@
 </p:sld>
 </file>
 
+<file path=ppt/slides/slide5.xml><?xml version="1.0" encoding="utf-8"?>
+<p:sld xmlns:a="http://schemas.openxmlformats.org/drawingml/2006/main" xmlns:r="http://schemas.openxmlformats.org/officeDocument/2006/relationships" xmlns:p="http://schemas.openxmlformats.org/presentationml/2006/main">
+  <p:cSld>
+    <p:spTree>
+      <p:nvGrpSpPr>
+        <p:cNvPr id="1" name=""/>
+        <p:cNvGrpSpPr/>
+        <p:nvPr/>
+      </p:nvGrpSpPr>
+      <p:grpSpPr>
+        <a:xfrm>
+          <a:off x="0" y="0"/>
+          <a:ext cx="0" cy="0"/>
+          <a:chOff x="0" y="0"/>
+          <a:chExt cx="0" cy="0"/>
+        </a:xfrm>
+      </p:grpSpPr>
+      <p:sp>
+        <p:nvSpPr>
+          <p:cNvPr id="2" name="Title 1">
+            <a:extLst>
+              <a:ext uri="{FF2B5EF4-FFF2-40B4-BE49-F238E27FC236}">
+                <a16:creationId xmlns:a16="http://schemas.microsoft.com/office/drawing/2014/main" id="{4840891D-CA76-D7B1-5AFC-F6FE3FC1983A}"/>
+              </a:ext>
+            </a:extLst>
+          </p:cNvPr>
+          <p:cNvSpPr>
+            <a:spLocks noGrp="1"/>
+          </p:cNvSpPr>
+          <p:nvPr>
+            <p:ph type="title"/>
+          </p:nvPr>
+        </p:nvSpPr>
+        <p:spPr/>
+        <p:txBody>
+          <a:bodyPr/>
+          <a:lstStyle/>
+          <a:p>
+            <a:r>
+              <a:rPr lang="en-US" dirty="0"/>
+              <a:t>Updated Slide needed for previous 2 slides</a:t>
+            </a:r>
+          </a:p>
+        </p:txBody>
+      </p:sp>
+      <p:sp>
+        <p:nvSpPr>
+          <p:cNvPr id="3" name="Content Placeholder 2">
+            <a:extLst>
+              <a:ext uri="{FF2B5EF4-FFF2-40B4-BE49-F238E27FC236}">
+                <a16:creationId xmlns:a16="http://schemas.microsoft.com/office/drawing/2014/main" id="{07789EE1-92F6-1EDA-A158-084CF96A0F51}"/>
+              </a:ext>
+            </a:extLst>
+          </p:cNvPr>
+          <p:cNvSpPr>
+            <a:spLocks noGrp="1"/>
+          </p:cNvSpPr>
+          <p:nvPr>
+            <p:ph idx="1"/>
+          </p:nvPr>
+        </p:nvSpPr>
+        <p:spPr/>
+        <p:txBody>
+          <a:bodyPr/>
+          <a:lstStyle/>
+          <a:p>
+            <a:endParaRPr lang="en-US"/>
+          </a:p>
+        </p:txBody>
+      </p:sp>
+    </p:spTree>
+    <p:extLst>
+      <p:ext uri="{BB962C8B-B14F-4D97-AF65-F5344CB8AC3E}">
+        <p14:creationId xmlns:p14="http://schemas.microsoft.com/office/powerpoint/2010/main" val="3208455585"/>
+      </p:ext>
+    </p:extLst>
+  </p:cSld>
+  <p:clrMapOvr>
+    <a:masterClrMapping/>
+  </p:clrMapOvr>
+</p:sld>
+</file>
+
+<file path=ppt/slides/slide6.xml><?xml version="1.0" encoding="utf-8"?>
+<p:sld xmlns:a="http://schemas.openxmlformats.org/drawingml/2006/main" xmlns:r="http://schemas.openxmlformats.org/officeDocument/2006/relationships" xmlns:p="http://schemas.openxmlformats.org/presentationml/2006/main">
+  <p:cSld>
+    <p:spTree>
+      <p:nvGrpSpPr>
+        <p:cNvPr id="1" name=""/>
+        <p:cNvGrpSpPr/>
+        <p:nvPr/>
+      </p:nvGrpSpPr>
+      <p:grpSpPr>
+        <a:xfrm>
+          <a:off x="0" y="0"/>
+          <a:ext cx="0" cy="0"/>
+          <a:chOff x="0" y="0"/>
+          <a:chExt cx="0" cy="0"/>
+        </a:xfrm>
+      </p:grpSpPr>
+      <p:sp>
+        <p:nvSpPr>
+          <p:cNvPr id="2" name="Title 1">
+            <a:extLst>
+              <a:ext uri="{FF2B5EF4-FFF2-40B4-BE49-F238E27FC236}">
+                <a16:creationId xmlns:a16="http://schemas.microsoft.com/office/drawing/2014/main" id="{3F5F6488-A65C-8D56-039E-CD31D2E52EB9}"/>
+              </a:ext>
+            </a:extLst>
+          </p:cNvPr>
+          <p:cNvSpPr>
+            <a:spLocks noGrp="1"/>
+          </p:cNvSpPr>
+          <p:nvPr>
+            <p:ph type="title"/>
+          </p:nvPr>
+        </p:nvSpPr>
+        <p:spPr/>
+        <p:txBody>
+          <a:bodyPr/>
+          <a:lstStyle/>
+          <a:p>
+            <a:r>
+              <a:rPr lang="en-US" dirty="0"/>
+              <a:t>UART Working</a:t>
+            </a:r>
+          </a:p>
+        </p:txBody>
+      </p:sp>
+      <p:pic>
+        <p:nvPicPr>
+          <p:cNvPr id="5" name="Content Placeholder 4">
+            <a:extLst>
+              <a:ext uri="{FF2B5EF4-FFF2-40B4-BE49-F238E27FC236}">
+                <a16:creationId xmlns:a16="http://schemas.microsoft.com/office/drawing/2014/main" id="{0926764E-4CF5-98C6-9A12-E3067FF751B9}"/>
+              </a:ext>
+            </a:extLst>
+          </p:cNvPr>
+          <p:cNvPicPr>
+            <a:picLocks noGrp="1" noChangeAspect="1"/>
+          </p:cNvPicPr>
+          <p:nvPr>
+            <p:ph idx="1"/>
+          </p:nvPr>
+        </p:nvPicPr>
+        <p:blipFill>
+          <a:blip r:embed="rId2"/>
+          <a:stretch>
+            <a:fillRect/>
+          </a:stretch>
+        </p:blipFill>
+        <p:spPr>
+          <a:xfrm>
+            <a:off x="838200" y="3121465"/>
+            <a:ext cx="10515600" cy="2785153"/>
+          </a:xfrm>
+        </p:spPr>
+      </p:pic>
+    </p:spTree>
+    <p:extLst>
+      <p:ext uri="{BB962C8B-B14F-4D97-AF65-F5344CB8AC3E}">
+        <p14:creationId xmlns:p14="http://schemas.microsoft.com/office/powerpoint/2010/main" val="3013207034"/>
+      </p:ext>
+    </p:extLst>
+  </p:cSld>
+  <p:clrMapOvr>
+    <a:masterClrMapping/>
+  </p:clrMapOvr>
+</p:sld>
+</file>
+
 <file path=ppt/theme/theme1.xml><?xml version="1.0" encoding="utf-8"?>
 <a:theme xmlns:a="http://schemas.openxmlformats.org/drawingml/2006/main" name="Office Theme">
   <a:themeElements>
